--- a/Week_7/PCA_intro.pptx
+++ b/Week_7/PCA_intro.pptx
@@ -110,7 +110,104 @@
       </a:defRPr>
     </a:lvl9pPr>
   </p:defaultTextStyle>
+  <p:extLst>
+    <p:ext uri="{EFAFB233-063F-42B5-8137-9DF3F51BA10A}">
+      <p15:sldGuideLst xmlns:p15="http://schemas.microsoft.com/office/powerpoint/2012/main"/>
+    </p:ext>
+  </p:extLst>
 </p:presentation>
+</file>
+
+<file path=ppt/changesInfos/changesInfo1.xml><?xml version="1.0" encoding="utf-8"?>
+<pc:chgInfo xmlns:a="http://schemas.openxmlformats.org/drawingml/2006/main" xmlns:r="http://schemas.openxmlformats.org/officeDocument/2006/relationships" xmlns:ac="http://schemas.microsoft.com/office/drawing/2013/main/command" xmlns:pc="http://schemas.microsoft.com/office/powerpoint/2013/main/command">
+  <pc:docChgLst>
+    <pc:chgData name="Catherine Kidner" userId="05772faa-c547-42bd-a4f8-01ff9d39ffcc" providerId="ADAL" clId="{DDA4BFD9-6DBF-584C-B4D4-55AC023E0DD2}"/>
+    <pc:docChg chg="modSld">
+      <pc:chgData name="Catherine Kidner" userId="05772faa-c547-42bd-a4f8-01ff9d39ffcc" providerId="ADAL" clId="{DDA4BFD9-6DBF-584C-B4D4-55AC023E0DD2}" dt="2022-12-13T10:54:35.602" v="123" actId="1076"/>
+      <pc:docMkLst>
+        <pc:docMk/>
+      </pc:docMkLst>
+      <pc:sldChg chg="addSp modSp mod">
+        <pc:chgData name="Catherine Kidner" userId="05772faa-c547-42bd-a4f8-01ff9d39ffcc" providerId="ADAL" clId="{DDA4BFD9-6DBF-584C-B4D4-55AC023E0DD2}" dt="2022-12-12T16:58:44.895" v="119" actId="1076"/>
+        <pc:sldMkLst>
+          <pc:docMk/>
+          <pc:sldMk cId="1922857997" sldId="260"/>
+        </pc:sldMkLst>
+        <pc:spChg chg="add mod">
+          <ac:chgData name="Catherine Kidner" userId="05772faa-c547-42bd-a4f8-01ff9d39ffcc" providerId="ADAL" clId="{DDA4BFD9-6DBF-584C-B4D4-55AC023E0DD2}" dt="2022-12-12T16:42:24.343" v="10" actId="1076"/>
+          <ac:spMkLst>
+            <pc:docMk/>
+            <pc:sldMk cId="1922857997" sldId="260"/>
+            <ac:spMk id="2" creationId="{6F1CF0B6-7A5A-17A3-8A90-9B659AF4BF01}"/>
+          </ac:spMkLst>
+        </pc:spChg>
+        <pc:spChg chg="add mod">
+          <ac:chgData name="Catherine Kidner" userId="05772faa-c547-42bd-a4f8-01ff9d39ffcc" providerId="ADAL" clId="{DDA4BFD9-6DBF-584C-B4D4-55AC023E0DD2}" dt="2022-12-12T16:58:44.895" v="119" actId="1076"/>
+          <ac:spMkLst>
+            <pc:docMk/>
+            <pc:sldMk cId="1922857997" sldId="260"/>
+            <ac:spMk id="5" creationId="{03671E00-DCE3-8BA7-E34E-119621BA97EB}"/>
+          </ac:spMkLst>
+        </pc:spChg>
+        <pc:spChg chg="mod">
+          <ac:chgData name="Catherine Kidner" userId="05772faa-c547-42bd-a4f8-01ff9d39ffcc" providerId="ADAL" clId="{DDA4BFD9-6DBF-584C-B4D4-55AC023E0DD2}" dt="2022-12-12T16:45:42.660" v="75" actId="1076"/>
+          <ac:spMkLst>
+            <pc:docMk/>
+            <pc:sldMk cId="1922857997" sldId="260"/>
+            <ac:spMk id="7" creationId="{DC36A791-BF33-88DF-652C-3B00969E48B9}"/>
+          </ac:spMkLst>
+        </pc:spChg>
+        <pc:spChg chg="add mod">
+          <ac:chgData name="Catherine Kidner" userId="05772faa-c547-42bd-a4f8-01ff9d39ffcc" providerId="ADAL" clId="{DDA4BFD9-6DBF-584C-B4D4-55AC023E0DD2}" dt="2022-12-12T16:48:21.781" v="96" actId="207"/>
+          <ac:spMkLst>
+            <pc:docMk/>
+            <pc:sldMk cId="1922857997" sldId="260"/>
+            <ac:spMk id="19" creationId="{03683275-8A45-1F3F-F93D-7D04B92FD39D}"/>
+          </ac:spMkLst>
+        </pc:spChg>
+        <pc:grpChg chg="add">
+          <ac:chgData name="Catherine Kidner" userId="05772faa-c547-42bd-a4f8-01ff9d39ffcc" providerId="ADAL" clId="{DDA4BFD9-6DBF-584C-B4D4-55AC023E0DD2}" dt="2022-12-12T16:42:35.710" v="11" actId="164"/>
+          <ac:grpSpMkLst>
+            <pc:docMk/>
+            <pc:sldMk cId="1922857997" sldId="260"/>
+            <ac:grpSpMk id="3" creationId="{5F5B1417-07C8-F156-564B-A22B245E396F}"/>
+          </ac:grpSpMkLst>
+        </pc:grpChg>
+        <pc:picChg chg="mod">
+          <ac:chgData name="Catherine Kidner" userId="05772faa-c547-42bd-a4f8-01ff9d39ffcc" providerId="ADAL" clId="{DDA4BFD9-6DBF-584C-B4D4-55AC023E0DD2}" dt="2022-12-12T16:42:21.126" v="9" actId="1076"/>
+          <ac:picMkLst>
+            <pc:docMk/>
+            <pc:sldMk cId="1922857997" sldId="260"/>
+            <ac:picMk id="4" creationId="{E8ECE973-F097-DD2F-491F-2F958F335DA0}"/>
+          </ac:picMkLst>
+        </pc:picChg>
+        <pc:cxnChg chg="add mod">
+          <ac:chgData name="Catherine Kidner" userId="05772faa-c547-42bd-a4f8-01ff9d39ffcc" providerId="ADAL" clId="{DDA4BFD9-6DBF-584C-B4D4-55AC023E0DD2}" dt="2022-12-12T16:48:05.308" v="81" actId="14100"/>
+          <ac:cxnSpMkLst>
+            <pc:docMk/>
+            <pc:sldMk cId="1922857997" sldId="260"/>
+            <ac:cxnSpMk id="16" creationId="{F1570198-402E-836A-66D7-1E31717D05C5}"/>
+          </ac:cxnSpMkLst>
+        </pc:cxnChg>
+      </pc:sldChg>
+      <pc:sldChg chg="addSp modSp">
+        <pc:chgData name="Catherine Kidner" userId="05772faa-c547-42bd-a4f8-01ff9d39ffcc" providerId="ADAL" clId="{DDA4BFD9-6DBF-584C-B4D4-55AC023E0DD2}" dt="2022-12-13T10:54:35.602" v="123" actId="1076"/>
+        <pc:sldMkLst>
+          <pc:docMk/>
+          <pc:sldMk cId="543129939" sldId="261"/>
+        </pc:sldMkLst>
+        <pc:picChg chg="add mod">
+          <ac:chgData name="Catherine Kidner" userId="05772faa-c547-42bd-a4f8-01ff9d39ffcc" providerId="ADAL" clId="{DDA4BFD9-6DBF-584C-B4D4-55AC023E0DD2}" dt="2022-12-13T10:54:35.602" v="123" actId="1076"/>
+          <ac:picMkLst>
+            <pc:docMk/>
+            <pc:sldMk cId="543129939" sldId="261"/>
+            <ac:picMk id="1026" creationId="{2806B3EF-2735-BAE7-931C-96C64196D0B0}"/>
+          </ac:picMkLst>
+        </pc:picChg>
+      </pc:sldChg>
+    </pc:docChg>
+  </pc:docChgLst>
+</pc:chgInfo>
 </file>
 
 <file path=ppt/slideLayouts/slideLayout1.xml><?xml version="1.0" encoding="utf-8"?>
@@ -262,7 +359,7 @@
           <a:p>
             <a:fld id="{7DA1B0A3-4A4D-6D47-B6CD-C75BB54CAF56}" type="datetimeFigureOut">
               <a:rPr lang="en-US" smtClean="0"/>
-              <a:t>10/10/22</a:t>
+              <a:t>12/12/22</a:t>
             </a:fld>
             <a:endParaRPr lang="en-US"/>
           </a:p>
@@ -462,7 +559,7 @@
           <a:p>
             <a:fld id="{7DA1B0A3-4A4D-6D47-B6CD-C75BB54CAF56}" type="datetimeFigureOut">
               <a:rPr lang="en-US" smtClean="0"/>
-              <a:t>10/10/22</a:t>
+              <a:t>12/12/22</a:t>
             </a:fld>
             <a:endParaRPr lang="en-US"/>
           </a:p>
@@ -672,7 +769,7 @@
           <a:p>
             <a:fld id="{7DA1B0A3-4A4D-6D47-B6CD-C75BB54CAF56}" type="datetimeFigureOut">
               <a:rPr lang="en-US" smtClean="0"/>
-              <a:t>10/10/22</a:t>
+              <a:t>12/12/22</a:t>
             </a:fld>
             <a:endParaRPr lang="en-US"/>
           </a:p>
@@ -872,7 +969,7 @@
           <a:p>
             <a:fld id="{7DA1B0A3-4A4D-6D47-B6CD-C75BB54CAF56}" type="datetimeFigureOut">
               <a:rPr lang="en-US" smtClean="0"/>
-              <a:t>10/10/22</a:t>
+              <a:t>12/12/22</a:t>
             </a:fld>
             <a:endParaRPr lang="en-US"/>
           </a:p>
@@ -1148,7 +1245,7 @@
           <a:p>
             <a:fld id="{7DA1B0A3-4A4D-6D47-B6CD-C75BB54CAF56}" type="datetimeFigureOut">
               <a:rPr lang="en-US" smtClean="0"/>
-              <a:t>10/10/22</a:t>
+              <a:t>12/12/22</a:t>
             </a:fld>
             <a:endParaRPr lang="en-US"/>
           </a:p>
@@ -1416,7 +1513,7 @@
           <a:p>
             <a:fld id="{7DA1B0A3-4A4D-6D47-B6CD-C75BB54CAF56}" type="datetimeFigureOut">
               <a:rPr lang="en-US" smtClean="0"/>
-              <a:t>10/10/22</a:t>
+              <a:t>12/12/22</a:t>
             </a:fld>
             <a:endParaRPr lang="en-US"/>
           </a:p>
@@ -1831,7 +1928,7 @@
           <a:p>
             <a:fld id="{7DA1B0A3-4A4D-6D47-B6CD-C75BB54CAF56}" type="datetimeFigureOut">
               <a:rPr lang="en-US" smtClean="0"/>
-              <a:t>10/10/22</a:t>
+              <a:t>12/12/22</a:t>
             </a:fld>
             <a:endParaRPr lang="en-US"/>
           </a:p>
@@ -1973,7 +2070,7 @@
           <a:p>
             <a:fld id="{7DA1B0A3-4A4D-6D47-B6CD-C75BB54CAF56}" type="datetimeFigureOut">
               <a:rPr lang="en-US" smtClean="0"/>
-              <a:t>10/10/22</a:t>
+              <a:t>12/12/22</a:t>
             </a:fld>
             <a:endParaRPr lang="en-US"/>
           </a:p>
@@ -2086,7 +2183,7 @@
           <a:p>
             <a:fld id="{7DA1B0A3-4A4D-6D47-B6CD-C75BB54CAF56}" type="datetimeFigureOut">
               <a:rPr lang="en-US" smtClean="0"/>
-              <a:t>10/10/22</a:t>
+              <a:t>12/12/22</a:t>
             </a:fld>
             <a:endParaRPr lang="en-US"/>
           </a:p>
@@ -2399,7 +2496,7 @@
           <a:p>
             <a:fld id="{7DA1B0A3-4A4D-6D47-B6CD-C75BB54CAF56}" type="datetimeFigureOut">
               <a:rPr lang="en-US" smtClean="0"/>
-              <a:t>10/10/22</a:t>
+              <a:t>12/12/22</a:t>
             </a:fld>
             <a:endParaRPr lang="en-US"/>
           </a:p>
@@ -2688,7 +2785,7 @@
           <a:p>
             <a:fld id="{7DA1B0A3-4A4D-6D47-B6CD-C75BB54CAF56}" type="datetimeFigureOut">
               <a:rPr lang="en-US" smtClean="0"/>
-              <a:t>10/10/22</a:t>
+              <a:t>12/12/22</a:t>
             </a:fld>
             <a:endParaRPr lang="en-US"/>
           </a:p>
@@ -2931,7 +3028,7 @@
           <a:p>
             <a:fld id="{7DA1B0A3-4A4D-6D47-B6CD-C75BB54CAF56}" type="datetimeFigureOut">
               <a:rPr lang="en-US" smtClean="0"/>
-              <a:t>10/10/22</a:t>
+              <a:t>12/12/22</a:t>
             </a:fld>
             <a:endParaRPr lang="en-US"/>
           </a:p>
@@ -4095,7 +4192,7 @@
         </p:blipFill>
         <p:spPr bwMode="auto">
           <a:xfrm>
-            <a:off x="600075" y="241300"/>
+            <a:off x="600075" y="252284"/>
             <a:ext cx="5257800" cy="5003800"/>
           </a:xfrm>
           <a:prstGeom prst="rect">
@@ -4113,37 +4210,473 @@
           </a:extLst>
         </p:spPr>
       </p:pic>
+      <p:sp>
+        <p:nvSpPr>
+          <p:cNvPr id="7" name="TextBox 6">
+            <a:extLst>
+              <a:ext uri="{FF2B5EF4-FFF2-40B4-BE49-F238E27FC236}">
+                <a16:creationId xmlns:a16="http://schemas.microsoft.com/office/drawing/2014/main" id="{DC36A791-BF33-88DF-652C-3B00969E48B9}"/>
+              </a:ext>
+            </a:extLst>
+          </p:cNvPr>
+          <p:cNvSpPr txBox="1"/>
+          <p:nvPr/>
+        </p:nvSpPr>
+        <p:spPr>
+          <a:xfrm>
+            <a:off x="6579652" y="1442809"/>
+            <a:ext cx="4368568" cy="369332"/>
+          </a:xfrm>
+          <a:prstGeom prst="rect">
+            <a:avLst/>
+          </a:prstGeom>
+          <a:noFill/>
+        </p:spPr>
+        <p:txBody>
+          <a:bodyPr wrap="none" rtlCol="0">
+            <a:spAutoFit/>
+          </a:bodyPr>
+          <a:lstStyle/>
+          <a:p>
+            <a:r>
+              <a:rPr lang="en-US" dirty="0"/>
+              <a:t>Fit a  best-fit line through the cloud of points</a:t>
+            </a:r>
+          </a:p>
+        </p:txBody>
+      </p:sp>
+      <p:sp>
+        <p:nvSpPr>
+          <p:cNvPr id="8" name="TextBox 7">
+            <a:extLst>
+              <a:ext uri="{FF2B5EF4-FFF2-40B4-BE49-F238E27FC236}">
+                <a16:creationId xmlns:a16="http://schemas.microsoft.com/office/drawing/2014/main" id="{377C9870-328D-2599-9854-8BF2A592C723}"/>
+              </a:ext>
+            </a:extLst>
+          </p:cNvPr>
+          <p:cNvSpPr txBox="1"/>
+          <p:nvPr/>
+        </p:nvSpPr>
+        <p:spPr>
+          <a:xfrm>
+            <a:off x="6672261" y="2996684"/>
+            <a:ext cx="5035096" cy="369332"/>
+          </a:xfrm>
+          <a:prstGeom prst="rect">
+            <a:avLst/>
+          </a:prstGeom>
+          <a:noFill/>
+        </p:spPr>
+        <p:txBody>
+          <a:bodyPr wrap="none" rtlCol="0">
+            <a:spAutoFit/>
+          </a:bodyPr>
+          <a:lstStyle/>
+          <a:p>
+            <a:r>
+              <a:rPr lang="en-US" dirty="0"/>
+              <a:t>Rotate the cloud until this line become the new axis</a:t>
+            </a:r>
+          </a:p>
+        </p:txBody>
+      </p:sp>
+      <p:sp>
+        <p:nvSpPr>
+          <p:cNvPr id="9" name="TextBox 8">
+            <a:extLst>
+              <a:ext uri="{FF2B5EF4-FFF2-40B4-BE49-F238E27FC236}">
+                <a16:creationId xmlns:a16="http://schemas.microsoft.com/office/drawing/2014/main" id="{8970516D-F0C0-21D9-52A8-C4F6C022F472}"/>
+              </a:ext>
+            </a:extLst>
+          </p:cNvPr>
+          <p:cNvSpPr txBox="1"/>
+          <p:nvPr/>
+        </p:nvSpPr>
+        <p:spPr>
+          <a:xfrm>
+            <a:off x="6672261" y="3558659"/>
+            <a:ext cx="3557064" cy="369332"/>
+          </a:xfrm>
+          <a:prstGeom prst="rect">
+            <a:avLst/>
+          </a:prstGeom>
+          <a:noFill/>
+        </p:spPr>
+        <p:txBody>
+          <a:bodyPr wrap="none" rtlCol="0">
+            <a:spAutoFit/>
+          </a:bodyPr>
+          <a:lstStyle/>
+          <a:p>
+            <a:r>
+              <a:rPr lang="en-US" dirty="0"/>
+              <a:t>Fit a new line orthogonal to the first</a:t>
+            </a:r>
+          </a:p>
+        </p:txBody>
+      </p:sp>
+      <p:sp>
+        <p:nvSpPr>
+          <p:cNvPr id="10" name="TextBox 9">
+            <a:extLst>
+              <a:ext uri="{FF2B5EF4-FFF2-40B4-BE49-F238E27FC236}">
+                <a16:creationId xmlns:a16="http://schemas.microsoft.com/office/drawing/2014/main" id="{DF37B33E-58E9-1D33-DAF6-B603755759E3}"/>
+              </a:ext>
+            </a:extLst>
+          </p:cNvPr>
+          <p:cNvSpPr txBox="1"/>
+          <p:nvPr/>
+        </p:nvSpPr>
+        <p:spPr>
+          <a:xfrm>
+            <a:off x="7242016" y="2107853"/>
+            <a:ext cx="4349909" cy="646331"/>
+          </a:xfrm>
+          <a:prstGeom prst="rect">
+            <a:avLst/>
+          </a:prstGeom>
+          <a:noFill/>
+        </p:spPr>
+        <p:txBody>
+          <a:bodyPr wrap="none" rtlCol="0">
+            <a:spAutoFit/>
+          </a:bodyPr>
+          <a:lstStyle/>
+          <a:p>
+            <a:r>
+              <a:rPr lang="en-US" i="1" dirty="0"/>
+              <a:t>This is the first PCA.  </a:t>
+            </a:r>
+          </a:p>
+          <a:p>
+            <a:r>
+              <a:rPr lang="en-US" i="1" dirty="0"/>
+              <a:t>It describes the direction with most variation</a:t>
+            </a:r>
+          </a:p>
+        </p:txBody>
+      </p:sp>
+      <p:sp>
+        <p:nvSpPr>
+          <p:cNvPr id="11" name="TextBox 10">
+            <a:extLst>
+              <a:ext uri="{FF2B5EF4-FFF2-40B4-BE49-F238E27FC236}">
+                <a16:creationId xmlns:a16="http://schemas.microsoft.com/office/drawing/2014/main" id="{3BE83B42-C944-F7FA-58C4-B35F82C4AD77}"/>
+              </a:ext>
+            </a:extLst>
+          </p:cNvPr>
+          <p:cNvSpPr txBox="1"/>
+          <p:nvPr/>
+        </p:nvSpPr>
+        <p:spPr>
+          <a:xfrm>
+            <a:off x="7216387" y="4241452"/>
+            <a:ext cx="4828886" cy="646331"/>
+          </a:xfrm>
+          <a:prstGeom prst="rect">
+            <a:avLst/>
+          </a:prstGeom>
+          <a:noFill/>
+        </p:spPr>
+        <p:txBody>
+          <a:bodyPr wrap="none" rtlCol="0">
+            <a:spAutoFit/>
+          </a:bodyPr>
+          <a:lstStyle/>
+          <a:p>
+            <a:r>
+              <a:rPr lang="en-US" i="1" dirty="0"/>
+              <a:t>This is the second PCA</a:t>
+            </a:r>
+          </a:p>
+          <a:p>
+            <a:r>
+              <a:rPr lang="en-US" i="1" dirty="0"/>
+              <a:t>It describes the direction of second most variation</a:t>
+            </a:r>
+          </a:p>
+        </p:txBody>
+      </p:sp>
+      <p:sp>
+        <p:nvSpPr>
+          <p:cNvPr id="12" name="TextBox 11">
+            <a:extLst>
+              <a:ext uri="{FF2B5EF4-FFF2-40B4-BE49-F238E27FC236}">
+                <a16:creationId xmlns:a16="http://schemas.microsoft.com/office/drawing/2014/main" id="{DC78F84D-232F-BD76-559A-79E749018186}"/>
+              </a:ext>
+            </a:extLst>
+          </p:cNvPr>
+          <p:cNvSpPr txBox="1"/>
+          <p:nvPr/>
+        </p:nvSpPr>
+        <p:spPr>
+          <a:xfrm>
+            <a:off x="6672261" y="5060434"/>
+            <a:ext cx="5035096" cy="369332"/>
+          </a:xfrm>
+          <a:prstGeom prst="rect">
+            <a:avLst/>
+          </a:prstGeom>
+          <a:noFill/>
+        </p:spPr>
+        <p:txBody>
+          <a:bodyPr wrap="none" rtlCol="0">
+            <a:spAutoFit/>
+          </a:bodyPr>
+          <a:lstStyle/>
+          <a:p>
+            <a:r>
+              <a:rPr lang="en-US" dirty="0"/>
+              <a:t>Rotate the cloud until this line become the new axis</a:t>
+            </a:r>
+          </a:p>
+        </p:txBody>
+      </p:sp>
+      <p:sp>
+        <p:nvSpPr>
+          <p:cNvPr id="13" name="TextBox 12">
+            <a:extLst>
+              <a:ext uri="{FF2B5EF4-FFF2-40B4-BE49-F238E27FC236}">
+                <a16:creationId xmlns:a16="http://schemas.microsoft.com/office/drawing/2014/main" id="{371F37B4-50A8-E08D-BF3B-9B946B961124}"/>
+              </a:ext>
+            </a:extLst>
+          </p:cNvPr>
+          <p:cNvSpPr txBox="1"/>
+          <p:nvPr/>
+        </p:nvSpPr>
+        <p:spPr>
+          <a:xfrm>
+            <a:off x="6700837" y="5622409"/>
+            <a:ext cx="3859839" cy="369332"/>
+          </a:xfrm>
+          <a:prstGeom prst="rect">
+            <a:avLst/>
+          </a:prstGeom>
+          <a:noFill/>
+        </p:spPr>
+        <p:txBody>
+          <a:bodyPr wrap="none" rtlCol="0">
+            <a:spAutoFit/>
+          </a:bodyPr>
+          <a:lstStyle/>
+          <a:p>
+            <a:r>
+              <a:rPr lang="en-US" dirty="0"/>
+              <a:t>Fit a new line orthogonal to the second</a:t>
+            </a:r>
+          </a:p>
+        </p:txBody>
+      </p:sp>
+      <p:sp>
+        <p:nvSpPr>
+          <p:cNvPr id="14" name="TextBox 13">
+            <a:extLst>
+              <a:ext uri="{FF2B5EF4-FFF2-40B4-BE49-F238E27FC236}">
+                <a16:creationId xmlns:a16="http://schemas.microsoft.com/office/drawing/2014/main" id="{7FCC9AC4-6B05-3623-62E7-200A661257CC}"/>
+              </a:ext>
+            </a:extLst>
+          </p:cNvPr>
+          <p:cNvSpPr txBox="1"/>
+          <p:nvPr/>
+        </p:nvSpPr>
+        <p:spPr>
+          <a:xfrm>
+            <a:off x="7421250" y="6068367"/>
+            <a:ext cx="4624023" cy="646331"/>
+          </a:xfrm>
+          <a:prstGeom prst="rect">
+            <a:avLst/>
+          </a:prstGeom>
+          <a:noFill/>
+        </p:spPr>
+        <p:txBody>
+          <a:bodyPr wrap="none" rtlCol="0">
+            <a:spAutoFit/>
+          </a:bodyPr>
+          <a:lstStyle/>
+          <a:p>
+            <a:r>
+              <a:rPr lang="en-US" i="1" dirty="0"/>
+              <a:t>This is the third PCA</a:t>
+            </a:r>
+          </a:p>
+          <a:p>
+            <a:r>
+              <a:rPr lang="en-US" i="1" dirty="0"/>
+              <a:t>It describes the direction of third most variation</a:t>
+            </a:r>
+          </a:p>
+        </p:txBody>
+      </p:sp>
+      <p:grpSp>
+        <p:nvGrpSpPr>
+          <p:cNvPr id="3" name="Group 2">
+            <a:extLst>
+              <a:ext uri="{FF2B5EF4-FFF2-40B4-BE49-F238E27FC236}">
+                <a16:creationId xmlns:a16="http://schemas.microsoft.com/office/drawing/2014/main" id="{5F5B1417-07C8-F156-564B-A22B245E396F}"/>
+              </a:ext>
+            </a:extLst>
+          </p:cNvPr>
+          <p:cNvGrpSpPr/>
+          <p:nvPr/>
+        </p:nvGrpSpPr>
+        <p:grpSpPr>
+          <a:xfrm>
+            <a:off x="1443037" y="1059418"/>
+            <a:ext cx="4059027" cy="2683907"/>
+            <a:chOff x="1443037" y="1059418"/>
+            <a:chExt cx="4059027" cy="2683907"/>
+          </a:xfrm>
+        </p:grpSpPr>
+        <p:cxnSp>
+          <p:nvCxnSpPr>
+            <p:cNvPr id="6" name="Straight Connector 5">
+              <a:extLst>
+                <a:ext uri="{FF2B5EF4-FFF2-40B4-BE49-F238E27FC236}">
+                  <a16:creationId xmlns:a16="http://schemas.microsoft.com/office/drawing/2014/main" id="{A8D2F7FC-4405-BDAD-168E-F35473074A3C}"/>
+                </a:ext>
+              </a:extLst>
+            </p:cNvPr>
+            <p:cNvCxnSpPr/>
+            <p:nvPr/>
+          </p:nvCxnSpPr>
+          <p:spPr>
+            <a:xfrm flipV="1">
+              <a:off x="1443037" y="1428750"/>
+              <a:ext cx="3114675" cy="2314575"/>
+            </a:xfrm>
+            <a:prstGeom prst="line">
+              <a:avLst/>
+            </a:prstGeom>
+            <a:ln w="38100"/>
+          </p:spPr>
+          <p:style>
+            <a:lnRef idx="1">
+              <a:schemeClr val="accent2"/>
+            </a:lnRef>
+            <a:fillRef idx="0">
+              <a:schemeClr val="accent2"/>
+            </a:fillRef>
+            <a:effectRef idx="0">
+              <a:schemeClr val="accent2"/>
+            </a:effectRef>
+            <a:fontRef idx="minor">
+              <a:schemeClr val="tx1"/>
+            </a:fontRef>
+          </p:style>
+        </p:cxnSp>
+        <p:sp>
+          <p:nvSpPr>
+            <p:cNvPr id="2" name="TextBox 1">
+              <a:extLst>
+                <a:ext uri="{FF2B5EF4-FFF2-40B4-BE49-F238E27FC236}">
+                  <a16:creationId xmlns:a16="http://schemas.microsoft.com/office/drawing/2014/main" id="{6F1CF0B6-7A5A-17A3-8A90-9B659AF4BF01}"/>
+                </a:ext>
+              </a:extLst>
+            </p:cNvPr>
+            <p:cNvSpPr txBox="1"/>
+            <p:nvPr/>
+          </p:nvSpPr>
+          <p:spPr>
+            <a:xfrm>
+              <a:off x="4557712" y="1059418"/>
+              <a:ext cx="944352" cy="369332"/>
+            </a:xfrm>
+            <a:prstGeom prst="rect">
+              <a:avLst/>
+            </a:prstGeom>
+            <a:noFill/>
+          </p:spPr>
+          <p:txBody>
+            <a:bodyPr wrap="square" rtlCol="0">
+              <a:spAutoFit/>
+            </a:bodyPr>
+            <a:lstStyle/>
+            <a:p>
+              <a:r>
+                <a:rPr lang="en-US" dirty="0">
+                  <a:solidFill>
+                    <a:srgbClr val="FF0000"/>
+                  </a:solidFill>
+                </a:rPr>
+                <a:t>PCA1</a:t>
+              </a:r>
+            </a:p>
+          </p:txBody>
+        </p:sp>
+      </p:grpSp>
+      <p:sp>
+        <p:nvSpPr>
+          <p:cNvPr id="5" name="TextBox 4">
+            <a:extLst>
+              <a:ext uri="{FF2B5EF4-FFF2-40B4-BE49-F238E27FC236}">
+                <a16:creationId xmlns:a16="http://schemas.microsoft.com/office/drawing/2014/main" id="{03671E00-DCE3-8BA7-E34E-119621BA97EB}"/>
+              </a:ext>
+            </a:extLst>
+          </p:cNvPr>
+          <p:cNvSpPr txBox="1"/>
+          <p:nvPr/>
+        </p:nvSpPr>
+        <p:spPr>
+          <a:xfrm>
+            <a:off x="6433372" y="900826"/>
+            <a:ext cx="5758628" cy="369332"/>
+          </a:xfrm>
+          <a:prstGeom prst="rect">
+            <a:avLst/>
+          </a:prstGeom>
+          <a:noFill/>
+        </p:spPr>
+        <p:txBody>
+          <a:bodyPr wrap="none" rtlCol="0">
+            <a:spAutoFit/>
+          </a:bodyPr>
+          <a:lstStyle/>
+          <a:p>
+            <a:r>
+              <a:rPr lang="en-US" dirty="0" err="1"/>
+              <a:t>Standardise</a:t>
+            </a:r>
+            <a:r>
+              <a:rPr lang="en-US" dirty="0"/>
+              <a:t> the data so the average for each dimension is 0</a:t>
+            </a:r>
+          </a:p>
+        </p:txBody>
+      </p:sp>
       <p:cxnSp>
         <p:nvCxnSpPr>
-          <p:cNvPr id="6" name="Straight Connector 5">
-            <a:extLst>
-              <a:ext uri="{FF2B5EF4-FFF2-40B4-BE49-F238E27FC236}">
-                <a16:creationId xmlns:a16="http://schemas.microsoft.com/office/drawing/2014/main" id="{A8D2F7FC-4405-BDAD-168E-F35473074A3C}"/>
-              </a:ext>
-            </a:extLst>
-          </p:cNvPr>
-          <p:cNvCxnSpPr/>
+          <p:cNvPr id="16" name="Straight Connector 15">
+            <a:extLst>
+              <a:ext uri="{FF2B5EF4-FFF2-40B4-BE49-F238E27FC236}">
+                <a16:creationId xmlns:a16="http://schemas.microsoft.com/office/drawing/2014/main" id="{F1570198-402E-836A-66D7-1E31717D05C5}"/>
+              </a:ext>
+            </a:extLst>
+          </p:cNvPr>
+          <p:cNvCxnSpPr>
+            <a:cxnSpLocks/>
+          </p:cNvCxnSpPr>
           <p:nvPr/>
         </p:nvCxnSpPr>
         <p:spPr>
-          <a:xfrm flipV="1">
-            <a:off x="1443037" y="1428750"/>
-            <a:ext cx="3114675" cy="2314575"/>
+          <a:xfrm>
+            <a:off x="1762699" y="1304809"/>
+            <a:ext cx="2810076" cy="2936643"/>
           </a:xfrm>
           <a:prstGeom prst="line">
             <a:avLst/>
           </a:prstGeom>
-          <a:ln w="38100"/>
+          <a:ln/>
         </p:spPr>
         <p:style>
-          <a:lnRef idx="1">
-            <a:schemeClr val="accent2"/>
+          <a:lnRef idx="3">
+            <a:schemeClr val="accent4"/>
           </a:lnRef>
           <a:fillRef idx="0">
-            <a:schemeClr val="accent2"/>
+            <a:schemeClr val="accent4"/>
           </a:fillRef>
-          <a:effectRef idx="0">
-            <a:schemeClr val="accent2"/>
+          <a:effectRef idx="2">
+            <a:schemeClr val="accent4"/>
           </a:effectRef>
           <a:fontRef idx="minor">
             <a:schemeClr val="tx1"/>
@@ -4152,10 +4685,10 @@
       </p:cxnSp>
       <p:sp>
         <p:nvSpPr>
-          <p:cNvPr id="7" name="TextBox 6">
-            <a:extLst>
-              <a:ext uri="{FF2B5EF4-FFF2-40B4-BE49-F238E27FC236}">
-                <a16:creationId xmlns:a16="http://schemas.microsoft.com/office/drawing/2014/main" id="{DC36A791-BF33-88DF-652C-3B00969E48B9}"/>
+          <p:cNvPr id="19" name="TextBox 18">
+            <a:extLst>
+              <a:ext uri="{FF2B5EF4-FFF2-40B4-BE49-F238E27FC236}">
+                <a16:creationId xmlns:a16="http://schemas.microsoft.com/office/drawing/2014/main" id="{03683275-8A45-1F3F-F93D-7D04B92FD39D}"/>
               </a:ext>
             </a:extLst>
           </p:cNvPr>
@@ -4164,8 +4697,8 @@
         </p:nvSpPr>
         <p:spPr>
           <a:xfrm>
-            <a:off x="6700837" y="1428750"/>
-            <a:ext cx="4368568" cy="369332"/>
+            <a:off x="1332867" y="935477"/>
+            <a:ext cx="676788" cy="369332"/>
           </a:xfrm>
           <a:prstGeom prst="rect">
             <a:avLst/>
@@ -4179,271 +4712,12 @@
           <a:lstStyle/>
           <a:p>
             <a:r>
-              <a:rPr lang="en-US" dirty="0"/>
-              <a:t>Fit a  best-fit line through the cloud of points</a:t>
-            </a:r>
-          </a:p>
-        </p:txBody>
-      </p:sp>
-      <p:sp>
-        <p:nvSpPr>
-          <p:cNvPr id="8" name="TextBox 7">
-            <a:extLst>
-              <a:ext uri="{FF2B5EF4-FFF2-40B4-BE49-F238E27FC236}">
-                <a16:creationId xmlns:a16="http://schemas.microsoft.com/office/drawing/2014/main" id="{377C9870-328D-2599-9854-8BF2A592C723}"/>
-              </a:ext>
-            </a:extLst>
-          </p:cNvPr>
-          <p:cNvSpPr txBox="1"/>
-          <p:nvPr/>
-        </p:nvSpPr>
-        <p:spPr>
-          <a:xfrm>
-            <a:off x="6672261" y="2996684"/>
-            <a:ext cx="5035096" cy="369332"/>
-          </a:xfrm>
-          <a:prstGeom prst="rect">
-            <a:avLst/>
-          </a:prstGeom>
-          <a:noFill/>
-        </p:spPr>
-        <p:txBody>
-          <a:bodyPr wrap="none" rtlCol="0">
-            <a:spAutoFit/>
-          </a:bodyPr>
-          <a:lstStyle/>
-          <a:p>
-            <a:r>
-              <a:rPr lang="en-US" dirty="0"/>
-              <a:t>Rotate the cloud until this line become the new axis</a:t>
-            </a:r>
-          </a:p>
-        </p:txBody>
-      </p:sp>
-      <p:sp>
-        <p:nvSpPr>
-          <p:cNvPr id="9" name="TextBox 8">
-            <a:extLst>
-              <a:ext uri="{FF2B5EF4-FFF2-40B4-BE49-F238E27FC236}">
-                <a16:creationId xmlns:a16="http://schemas.microsoft.com/office/drawing/2014/main" id="{8970516D-F0C0-21D9-52A8-C4F6C022F472}"/>
-              </a:ext>
-            </a:extLst>
-          </p:cNvPr>
-          <p:cNvSpPr txBox="1"/>
-          <p:nvPr/>
-        </p:nvSpPr>
-        <p:spPr>
-          <a:xfrm>
-            <a:off x="6672261" y="3558659"/>
-            <a:ext cx="3557064" cy="369332"/>
-          </a:xfrm>
-          <a:prstGeom prst="rect">
-            <a:avLst/>
-          </a:prstGeom>
-          <a:noFill/>
-        </p:spPr>
-        <p:txBody>
-          <a:bodyPr wrap="none" rtlCol="0">
-            <a:spAutoFit/>
-          </a:bodyPr>
-          <a:lstStyle/>
-          <a:p>
-            <a:r>
-              <a:rPr lang="en-US" dirty="0"/>
-              <a:t>Fit a new line orthogonal to the first</a:t>
-            </a:r>
-          </a:p>
-        </p:txBody>
-      </p:sp>
-      <p:sp>
-        <p:nvSpPr>
-          <p:cNvPr id="10" name="TextBox 9">
-            <a:extLst>
-              <a:ext uri="{FF2B5EF4-FFF2-40B4-BE49-F238E27FC236}">
-                <a16:creationId xmlns:a16="http://schemas.microsoft.com/office/drawing/2014/main" id="{DF37B33E-58E9-1D33-DAF6-B603755759E3}"/>
-              </a:ext>
-            </a:extLst>
-          </p:cNvPr>
-          <p:cNvSpPr txBox="1"/>
-          <p:nvPr/>
-        </p:nvSpPr>
-        <p:spPr>
-          <a:xfrm>
-            <a:off x="7242016" y="2107853"/>
-            <a:ext cx="4349909" cy="646331"/>
-          </a:xfrm>
-          <a:prstGeom prst="rect">
-            <a:avLst/>
-          </a:prstGeom>
-          <a:noFill/>
-        </p:spPr>
-        <p:txBody>
-          <a:bodyPr wrap="none" rtlCol="0">
-            <a:spAutoFit/>
-          </a:bodyPr>
-          <a:lstStyle/>
-          <a:p>
-            <a:r>
-              <a:rPr lang="en-US" i="1" dirty="0"/>
-              <a:t>This is the first PCA.  </a:t>
-            </a:r>
-          </a:p>
-          <a:p>
-            <a:r>
-              <a:rPr lang="en-US" i="1" dirty="0"/>
-              <a:t>It describes the direction with most variation</a:t>
-            </a:r>
-          </a:p>
-        </p:txBody>
-      </p:sp>
-      <p:sp>
-        <p:nvSpPr>
-          <p:cNvPr id="11" name="TextBox 10">
-            <a:extLst>
-              <a:ext uri="{FF2B5EF4-FFF2-40B4-BE49-F238E27FC236}">
-                <a16:creationId xmlns:a16="http://schemas.microsoft.com/office/drawing/2014/main" id="{3BE83B42-C944-F7FA-58C4-B35F82C4AD77}"/>
-              </a:ext>
-            </a:extLst>
-          </p:cNvPr>
-          <p:cNvSpPr txBox="1"/>
-          <p:nvPr/>
-        </p:nvSpPr>
-        <p:spPr>
-          <a:xfrm>
-            <a:off x="7216387" y="4241452"/>
-            <a:ext cx="4828886" cy="646331"/>
-          </a:xfrm>
-          <a:prstGeom prst="rect">
-            <a:avLst/>
-          </a:prstGeom>
-          <a:noFill/>
-        </p:spPr>
-        <p:txBody>
-          <a:bodyPr wrap="none" rtlCol="0">
-            <a:spAutoFit/>
-          </a:bodyPr>
-          <a:lstStyle/>
-          <a:p>
-            <a:r>
-              <a:rPr lang="en-US" i="1" dirty="0"/>
-              <a:t>This is the second PCA</a:t>
-            </a:r>
-          </a:p>
-          <a:p>
-            <a:r>
-              <a:rPr lang="en-US" i="1" dirty="0"/>
-              <a:t>It describes the direction of second most variation</a:t>
-            </a:r>
-          </a:p>
-        </p:txBody>
-      </p:sp>
-      <p:sp>
-        <p:nvSpPr>
-          <p:cNvPr id="12" name="TextBox 11">
-            <a:extLst>
-              <a:ext uri="{FF2B5EF4-FFF2-40B4-BE49-F238E27FC236}">
-                <a16:creationId xmlns:a16="http://schemas.microsoft.com/office/drawing/2014/main" id="{DC78F84D-232F-BD76-559A-79E749018186}"/>
-              </a:ext>
-            </a:extLst>
-          </p:cNvPr>
-          <p:cNvSpPr txBox="1"/>
-          <p:nvPr/>
-        </p:nvSpPr>
-        <p:spPr>
-          <a:xfrm>
-            <a:off x="6672261" y="5060434"/>
-            <a:ext cx="5035096" cy="369332"/>
-          </a:xfrm>
-          <a:prstGeom prst="rect">
-            <a:avLst/>
-          </a:prstGeom>
-          <a:noFill/>
-        </p:spPr>
-        <p:txBody>
-          <a:bodyPr wrap="none" rtlCol="0">
-            <a:spAutoFit/>
-          </a:bodyPr>
-          <a:lstStyle/>
-          <a:p>
-            <a:r>
-              <a:rPr lang="en-US" dirty="0"/>
-              <a:t>Rotate the cloud until this line become the new axis</a:t>
-            </a:r>
-          </a:p>
-        </p:txBody>
-      </p:sp>
-      <p:sp>
-        <p:nvSpPr>
-          <p:cNvPr id="13" name="TextBox 12">
-            <a:extLst>
-              <a:ext uri="{FF2B5EF4-FFF2-40B4-BE49-F238E27FC236}">
-                <a16:creationId xmlns:a16="http://schemas.microsoft.com/office/drawing/2014/main" id="{371F37B4-50A8-E08D-BF3B-9B946B961124}"/>
-              </a:ext>
-            </a:extLst>
-          </p:cNvPr>
-          <p:cNvSpPr txBox="1"/>
-          <p:nvPr/>
-        </p:nvSpPr>
-        <p:spPr>
-          <a:xfrm>
-            <a:off x="6700837" y="5622409"/>
-            <a:ext cx="3859839" cy="369332"/>
-          </a:xfrm>
-          <a:prstGeom prst="rect">
-            <a:avLst/>
-          </a:prstGeom>
-          <a:noFill/>
-        </p:spPr>
-        <p:txBody>
-          <a:bodyPr wrap="none" rtlCol="0">
-            <a:spAutoFit/>
-          </a:bodyPr>
-          <a:lstStyle/>
-          <a:p>
-            <a:r>
-              <a:rPr lang="en-US" dirty="0"/>
-              <a:t>Fit a new line orthogonal to the second</a:t>
-            </a:r>
-          </a:p>
-        </p:txBody>
-      </p:sp>
-      <p:sp>
-        <p:nvSpPr>
-          <p:cNvPr id="14" name="TextBox 13">
-            <a:extLst>
-              <a:ext uri="{FF2B5EF4-FFF2-40B4-BE49-F238E27FC236}">
-                <a16:creationId xmlns:a16="http://schemas.microsoft.com/office/drawing/2014/main" id="{7FCC9AC4-6B05-3623-62E7-200A661257CC}"/>
-              </a:ext>
-            </a:extLst>
-          </p:cNvPr>
-          <p:cNvSpPr txBox="1"/>
-          <p:nvPr/>
-        </p:nvSpPr>
-        <p:spPr>
-          <a:xfrm>
-            <a:off x="7421250" y="6068367"/>
-            <a:ext cx="4624023" cy="646331"/>
-          </a:xfrm>
-          <a:prstGeom prst="rect">
-            <a:avLst/>
-          </a:prstGeom>
-          <a:noFill/>
-        </p:spPr>
-        <p:txBody>
-          <a:bodyPr wrap="none" rtlCol="0">
-            <a:spAutoFit/>
-          </a:bodyPr>
-          <a:lstStyle/>
-          <a:p>
-            <a:r>
-              <a:rPr lang="en-US" i="1" dirty="0"/>
-              <a:t>This is the third PCA</a:t>
-            </a:r>
-          </a:p>
-          <a:p>
-            <a:r>
-              <a:rPr lang="en-US" i="1" dirty="0"/>
-              <a:t>It describes the direction of third most variation</a:t>
+              <a:rPr lang="en-US" dirty="0">
+                <a:solidFill>
+                  <a:srgbClr val="FFC000"/>
+                </a:solidFill>
+              </a:rPr>
+              <a:t>PCA2</a:t>
             </a:r>
           </a:p>
         </p:txBody>
@@ -4513,6 +4787,53 @@
           </a:p>
         </p:txBody>
       </p:sp>
+      <p:pic>
+        <p:nvPicPr>
+          <p:cNvPr id="1026" name="Picture 2" descr="Principal Component Analysis (PCA) Explained Visually with Zero Math | by  Casey Cheng | Towards Data Science">
+            <a:extLst>
+              <a:ext uri="{FF2B5EF4-FFF2-40B4-BE49-F238E27FC236}">
+                <a16:creationId xmlns:a16="http://schemas.microsoft.com/office/drawing/2014/main" id="{2806B3EF-2735-BAE7-931C-96C64196D0B0}"/>
+              </a:ext>
+            </a:extLst>
+          </p:cNvPr>
+          <p:cNvPicPr>
+            <a:picLocks noChangeAspect="1" noChangeArrowheads="1"/>
+          </p:cNvPicPr>
+          <p:nvPr/>
+        </p:nvPicPr>
+        <p:blipFill>
+          <a:blip r:embed="rId2">
+            <a:extLst>
+              <a:ext uri="{28A0092B-C50C-407E-A947-70E740481C1C}">
+                <a14:useLocalDpi xmlns:a14="http://schemas.microsoft.com/office/drawing/2010/main" val="0"/>
+              </a:ext>
+            </a:extLst>
+          </a:blip>
+          <a:srcRect/>
+          <a:stretch>
+            <a:fillRect/>
+          </a:stretch>
+        </p:blipFill>
+        <p:spPr bwMode="auto">
+          <a:xfrm>
+            <a:off x="4726237" y="1702040"/>
+            <a:ext cx="6101814" cy="4555885"/>
+          </a:xfrm>
+          <a:prstGeom prst="rect">
+            <a:avLst/>
+          </a:prstGeom>
+          <a:noFill/>
+          <a:extLst>
+            <a:ext uri="{909E8E84-426E-40DD-AFC4-6F175D3DCCD1}">
+              <a14:hiddenFill xmlns:a14="http://schemas.microsoft.com/office/drawing/2010/main">
+                <a:solidFill>
+                  <a:srgbClr val="FFFFFF"/>
+                </a:solidFill>
+              </a14:hiddenFill>
+            </a:ext>
+          </a:extLst>
+        </p:spPr>
+      </p:pic>
     </p:spTree>
     <p:extLst>
       <p:ext uri="{BB962C8B-B14F-4D97-AF65-F5344CB8AC3E}">
